--- a/week8/Dissertation_8.pptx
+++ b/week8/Dissertation_8.pptx
@@ -4655,17 +4655,18 @@
             </a:r>
           </a:p>
           <a:p>
-            <a:pPr marL="457200" indent="-457200" algn="l">
-              <a:buAutoNum type="arabicPeriod"/>
-            </a:pPr>
-            <a:endParaRPr lang="en-US" altLang="zh-CN" sz="2000" dirty="0">
-              <a:solidFill>
-                <a:srgbClr val="1F2328"/>
-              </a:solidFill>
-              <a:latin typeface="Calibri" panose="020F0502020204030204" pitchFamily="34" charset="0"/>
-              <a:ea typeface="Calibri" panose="020F0502020204030204" pitchFamily="34" charset="0"/>
-              <a:cs typeface="Calibri" panose="020F0502020204030204" pitchFamily="34" charset="0"/>
-            </a:endParaRPr>
+            <a:pPr algn="l"/>
+            <a:r>
+              <a:rPr lang="en-US" altLang="zh-CN" sz="2000" dirty="0">
+                <a:solidFill>
+                  <a:srgbClr val="1F2328"/>
+                </a:solidFill>
+                <a:latin typeface="Calibri" panose="020F0502020204030204" pitchFamily="34" charset="0"/>
+                <a:ea typeface="Calibri" panose="020F0502020204030204" pitchFamily="34" charset="0"/>
+                <a:cs typeface="Calibri" panose="020F0502020204030204" pitchFamily="34" charset="0"/>
+              </a:rPr>
+              <a:t>[cos1, sin1, cos2, sin2…. Log t]</a:t>
+            </a:r>
           </a:p>
           <a:p>
             <a:pPr algn="l"/>
@@ -5548,7 +5549,7 @@
                 <a:ea typeface="Calibri" panose="020F0502020204030204" pitchFamily="34" charset="0"/>
                 <a:cs typeface="Calibri" panose="020F0502020204030204" pitchFamily="34" charset="0"/>
               </a:rPr>
-              <a:t>Change the sampling seeds 5 times in training, get the average model performance.</a:t>
+              <a:t>Run the training experiments k times (5 times possibly), get the average model performance.</a:t>
             </a:r>
           </a:p>
           <a:p>
@@ -5866,7 +5867,7 @@
                 <a:ea typeface="Calibri" panose="020F0502020204030204" pitchFamily="34" charset="0"/>
                 <a:cs typeface="Calibri" panose="020F0502020204030204" pitchFamily="34" charset="0"/>
               </a:rPr>
-              <a:t>So may drop out the comparison between two window structures.</a:t>
+              <a:t>So may drop the comparison between two window structures.</a:t>
             </a:r>
           </a:p>
         </p:txBody>
